--- a/Diapo/GetOut.pptx
+++ b/Diapo/GetOut.pptx
@@ -113,6 +113,11 @@
       </a:defRPr>
     </a:lvl9pPr>
   </p:defaultTextStyle>
+  <p:extLst>
+    <p:ext uri="{EFAFB233-063F-42B5-8137-9DF3F51BA10A}">
+      <p15:sldGuideLst xmlns:p15="http://schemas.microsoft.com/office/powerpoint/2012/main"/>
+    </p:ext>
+  </p:extLst>
 </p:presentation>
 </file>
 
@@ -161,7 +166,6 @@
               <a:rPr lang="fr-FR"/>
               <a:t>Modifiez le style du titre</a:t>
             </a:r>
-            <a:endParaRPr lang="fr-FR"/>
           </a:p>
         </p:txBody>
       </p:sp>
@@ -226,7 +230,6 @@
               <a:rPr lang="fr-FR"/>
               <a:t>Modifier le style des sous-titres du masque</a:t>
             </a:r>
-            <a:endParaRPr lang="fr-FR"/>
           </a:p>
         </p:txBody>
       </p:sp>
@@ -344,7 +347,6 @@
               <a:rPr lang="fr-FR"/>
               <a:t>Modifiez le style du titre</a:t>
             </a:r>
-            <a:endParaRPr lang="fr-FR"/>
           </a:p>
         </p:txBody>
       </p:sp>
@@ -396,7 +398,6 @@
               <a:rPr lang="fr-FR"/>
               <a:t>Cinquième niveau</a:t>
             </a:r>
-            <a:endParaRPr lang="fr-FR"/>
           </a:p>
         </p:txBody>
       </p:sp>
@@ -519,7 +520,6 @@
               <a:rPr lang="fr-FR"/>
               <a:t>Modifiez le style du titre</a:t>
             </a:r>
-            <a:endParaRPr lang="fr-FR"/>
           </a:p>
         </p:txBody>
       </p:sp>
@@ -576,7 +576,6 @@
               <a:rPr lang="fr-FR"/>
               <a:t>Cinquième niveau</a:t>
             </a:r>
-            <a:endParaRPr lang="fr-FR"/>
           </a:p>
         </p:txBody>
       </p:sp>
@@ -702,7 +701,6 @@
               <a:rPr lang="fr-FR"/>
               <a:t>Modifiez le style du titre</a:t>
             </a:r>
-            <a:endParaRPr lang="fr-FR"/>
           </a:p>
         </p:txBody>
       </p:sp>
@@ -790,7 +788,6 @@
               <a:rPr lang="fr-FR"/>
               <a:t>Cinquième niveau</a:t>
             </a:r>
-            <a:endParaRPr lang="fr-FR"/>
           </a:p>
         </p:txBody>
       </p:sp>
@@ -917,7 +914,6 @@
               <a:rPr lang="fr-FR"/>
               <a:t>Modifiez le style du titre</a:t>
             </a:r>
-            <a:endParaRPr lang="fr-FR"/>
           </a:p>
         </p:txBody>
       </p:sp>
@@ -1154,7 +1150,6 @@
               <a:rPr lang="fr-FR"/>
               <a:t>Modifiez le style du titre</a:t>
             </a:r>
-            <a:endParaRPr lang="fr-FR"/>
           </a:p>
         </p:txBody>
       </p:sp>
@@ -1211,7 +1206,6 @@
               <a:rPr lang="fr-FR"/>
               <a:t>Cinquième niveau</a:t>
             </a:r>
-            <a:endParaRPr lang="fr-FR"/>
           </a:p>
         </p:txBody>
       </p:sp>
@@ -1268,7 +1262,6 @@
               <a:rPr lang="fr-FR"/>
               <a:t>Cinquième niveau</a:t>
             </a:r>
-            <a:endParaRPr lang="fr-FR"/>
           </a:p>
         </p:txBody>
       </p:sp>
@@ -1391,7 +1384,6 @@
               <a:rPr lang="fr-FR"/>
               <a:t>Modifiez le style du titre</a:t>
             </a:r>
-            <a:endParaRPr lang="fr-FR"/>
           </a:p>
         </p:txBody>
       </p:sp>
@@ -1513,7 +1505,6 @@
               <a:rPr lang="fr-FR"/>
               <a:t>Cinquième niveau</a:t>
             </a:r>
-            <a:endParaRPr lang="fr-FR"/>
           </a:p>
         </p:txBody>
       </p:sp>
@@ -1635,7 +1626,6 @@
               <a:rPr lang="fr-FR"/>
               <a:t>Cinquième niveau</a:t>
             </a:r>
-            <a:endParaRPr lang="fr-FR"/>
           </a:p>
         </p:txBody>
       </p:sp>
@@ -1753,7 +1743,6 @@
               <a:rPr lang="fr-FR"/>
               <a:t>Modifiez le style du titre</a:t>
             </a:r>
-            <a:endParaRPr lang="fr-FR"/>
           </a:p>
         </p:txBody>
       </p:sp>
@@ -1975,7 +1964,6 @@
               <a:rPr lang="fr-FR"/>
               <a:t>Modifiez le style du titre</a:t>
             </a:r>
-            <a:endParaRPr lang="fr-FR"/>
           </a:p>
         </p:txBody>
       </p:sp>
@@ -2060,7 +2048,6 @@
               <a:rPr lang="fr-FR"/>
               <a:t>Cinquième niveau</a:t>
             </a:r>
-            <a:endParaRPr lang="fr-FR"/>
           </a:p>
         </p:txBody>
       </p:sp>
@@ -2252,7 +2239,6 @@
               <a:rPr lang="fr-FR"/>
               <a:t>Modifiez le style du titre</a:t>
             </a:r>
-            <a:endParaRPr lang="fr-FR"/>
           </a:p>
         </p:txBody>
       </p:sp>
@@ -2530,7 +2516,6 @@
               <a:rPr lang="fr-FR"/>
               <a:t>Modifiez le style du titre</a:t>
             </a:r>
-            <a:endParaRPr lang="fr-FR"/>
           </a:p>
         </p:txBody>
       </p:sp>
@@ -2592,7 +2577,6 @@
               <a:rPr lang="fr-FR"/>
               <a:t>Cinquième niveau</a:t>
             </a:r>
-            <a:endParaRPr lang="fr-FR"/>
           </a:p>
         </p:txBody>
       </p:sp>
@@ -3133,6 +3117,215 @@
           </a:p>
         </p:txBody>
       </p:sp>
+      <p:sp>
+        <p:nvSpPr>
+          <p:cNvPr id="5" name="Espace réservé du contenu 2"/>
+          <p:cNvSpPr txBox="1">
+            <a:spLocks/>
+          </p:cNvSpPr>
+          <p:nvPr/>
+        </p:nvSpPr>
+        <p:spPr>
+          <a:xfrm>
+            <a:off x="0" y="4606056"/>
+            <a:ext cx="4855234" cy="2251944"/>
+          </a:xfrm>
+          <a:prstGeom prst="rect">
+            <a:avLst/>
+          </a:prstGeom>
+        </p:spPr>
+        <p:txBody>
+          <a:bodyPr vert="horz" lIns="91440" tIns="45720" rIns="91440" bIns="45720" rtlCol="0" anchor="ctr" anchorCtr="0">
+            <a:normAutofit/>
+          </a:bodyPr>
+          <a:lstStyle>
+            <a:lvl1pPr marL="0" indent="0" algn="ctr" defTabSz="914400" rtl="0" eaLnBrk="1" latinLnBrk="0" hangingPunct="1">
+              <a:lnSpc>
+                <a:spcPct val="90000"/>
+              </a:lnSpc>
+              <a:spcBef>
+                <a:spcPts val="1000"/>
+              </a:spcBef>
+              <a:buFont typeface="Arial" panose="020B0604020202020204" pitchFamily="34" charset="0"/>
+              <a:buNone/>
+              <a:defRPr sz="2400" kern="1200">
+                <a:solidFill>
+                  <a:schemeClr val="tx1"/>
+                </a:solidFill>
+                <a:latin typeface="+mn-lt"/>
+                <a:ea typeface="+mn-ea"/>
+                <a:cs typeface="+mn-cs"/>
+              </a:defRPr>
+            </a:lvl1pPr>
+            <a:lvl2pPr marL="457200" indent="0" algn="ctr" defTabSz="914400" rtl="0" eaLnBrk="1" latinLnBrk="0" hangingPunct="1">
+              <a:lnSpc>
+                <a:spcPct val="90000"/>
+              </a:lnSpc>
+              <a:spcBef>
+                <a:spcPts val="500"/>
+              </a:spcBef>
+              <a:buFont typeface="Arial" panose="020B0604020202020204" pitchFamily="34" charset="0"/>
+              <a:buNone/>
+              <a:defRPr sz="2000" kern="1200">
+                <a:solidFill>
+                  <a:schemeClr val="tx1"/>
+                </a:solidFill>
+                <a:latin typeface="+mn-lt"/>
+                <a:ea typeface="+mn-ea"/>
+                <a:cs typeface="+mn-cs"/>
+              </a:defRPr>
+            </a:lvl2pPr>
+            <a:lvl3pPr marL="914400" indent="0" algn="ctr" defTabSz="914400" rtl="0" eaLnBrk="1" latinLnBrk="0" hangingPunct="1">
+              <a:lnSpc>
+                <a:spcPct val="90000"/>
+              </a:lnSpc>
+              <a:spcBef>
+                <a:spcPts val="500"/>
+              </a:spcBef>
+              <a:buFont typeface="Arial" panose="020B0604020202020204" pitchFamily="34" charset="0"/>
+              <a:buNone/>
+              <a:defRPr sz="1800" kern="1200">
+                <a:solidFill>
+                  <a:schemeClr val="tx1"/>
+                </a:solidFill>
+                <a:latin typeface="+mn-lt"/>
+                <a:ea typeface="+mn-ea"/>
+                <a:cs typeface="+mn-cs"/>
+              </a:defRPr>
+            </a:lvl3pPr>
+            <a:lvl4pPr marL="1371600" indent="0" algn="ctr" defTabSz="914400" rtl="0" eaLnBrk="1" latinLnBrk="0" hangingPunct="1">
+              <a:lnSpc>
+                <a:spcPct val="90000"/>
+              </a:lnSpc>
+              <a:spcBef>
+                <a:spcPts val="500"/>
+              </a:spcBef>
+              <a:buFont typeface="Arial" panose="020B0604020202020204" pitchFamily="34" charset="0"/>
+              <a:buNone/>
+              <a:defRPr sz="1600" kern="1200">
+                <a:solidFill>
+                  <a:schemeClr val="tx1"/>
+                </a:solidFill>
+                <a:latin typeface="+mn-lt"/>
+                <a:ea typeface="+mn-ea"/>
+                <a:cs typeface="+mn-cs"/>
+              </a:defRPr>
+            </a:lvl4pPr>
+            <a:lvl5pPr marL="1828800" indent="0" algn="ctr" defTabSz="914400" rtl="0" eaLnBrk="1" latinLnBrk="0" hangingPunct="1">
+              <a:lnSpc>
+                <a:spcPct val="90000"/>
+              </a:lnSpc>
+              <a:spcBef>
+                <a:spcPts val="500"/>
+              </a:spcBef>
+              <a:buFont typeface="Arial" panose="020B0604020202020204" pitchFamily="34" charset="0"/>
+              <a:buNone/>
+              <a:defRPr sz="1600" kern="1200">
+                <a:solidFill>
+                  <a:schemeClr val="tx1"/>
+                </a:solidFill>
+                <a:latin typeface="+mn-lt"/>
+                <a:ea typeface="+mn-ea"/>
+                <a:cs typeface="+mn-cs"/>
+              </a:defRPr>
+            </a:lvl5pPr>
+            <a:lvl6pPr marL="2286000" indent="0" algn="ctr" defTabSz="914400" rtl="0" eaLnBrk="1" latinLnBrk="0" hangingPunct="1">
+              <a:lnSpc>
+                <a:spcPct val="90000"/>
+              </a:lnSpc>
+              <a:spcBef>
+                <a:spcPts val="500"/>
+              </a:spcBef>
+              <a:buFont typeface="Arial" panose="020B0604020202020204" pitchFamily="34" charset="0"/>
+              <a:buNone/>
+              <a:defRPr sz="1600" kern="1200">
+                <a:solidFill>
+                  <a:schemeClr val="tx1"/>
+                </a:solidFill>
+                <a:latin typeface="+mn-lt"/>
+                <a:ea typeface="+mn-ea"/>
+                <a:cs typeface="+mn-cs"/>
+              </a:defRPr>
+            </a:lvl6pPr>
+            <a:lvl7pPr marL="2743200" indent="0" algn="ctr" defTabSz="914400" rtl="0" eaLnBrk="1" latinLnBrk="0" hangingPunct="1">
+              <a:lnSpc>
+                <a:spcPct val="90000"/>
+              </a:lnSpc>
+              <a:spcBef>
+                <a:spcPts val="500"/>
+              </a:spcBef>
+              <a:buFont typeface="Arial" panose="020B0604020202020204" pitchFamily="34" charset="0"/>
+              <a:buNone/>
+              <a:defRPr sz="1600" kern="1200">
+                <a:solidFill>
+                  <a:schemeClr val="tx1"/>
+                </a:solidFill>
+                <a:latin typeface="+mn-lt"/>
+                <a:ea typeface="+mn-ea"/>
+                <a:cs typeface="+mn-cs"/>
+              </a:defRPr>
+            </a:lvl7pPr>
+            <a:lvl8pPr marL="3200400" indent="0" algn="ctr" defTabSz="914400" rtl="0" eaLnBrk="1" latinLnBrk="0" hangingPunct="1">
+              <a:lnSpc>
+                <a:spcPct val="90000"/>
+              </a:lnSpc>
+              <a:spcBef>
+                <a:spcPts val="500"/>
+              </a:spcBef>
+              <a:buFont typeface="Arial" panose="020B0604020202020204" pitchFamily="34" charset="0"/>
+              <a:buNone/>
+              <a:defRPr sz="1600" kern="1200">
+                <a:solidFill>
+                  <a:schemeClr val="tx1"/>
+                </a:solidFill>
+                <a:latin typeface="+mn-lt"/>
+                <a:ea typeface="+mn-ea"/>
+                <a:cs typeface="+mn-cs"/>
+              </a:defRPr>
+            </a:lvl8pPr>
+            <a:lvl9pPr marL="3657600" indent="0" algn="ctr" defTabSz="914400" rtl="0" eaLnBrk="1" latinLnBrk="0" hangingPunct="1">
+              <a:lnSpc>
+                <a:spcPct val="90000"/>
+              </a:lnSpc>
+              <a:spcBef>
+                <a:spcPts val="500"/>
+              </a:spcBef>
+              <a:buFont typeface="Arial" panose="020B0604020202020204" pitchFamily="34" charset="0"/>
+              <a:buNone/>
+              <a:defRPr sz="1600" kern="1200">
+                <a:solidFill>
+                  <a:schemeClr val="tx1"/>
+                </a:solidFill>
+                <a:latin typeface="+mn-lt"/>
+                <a:ea typeface="+mn-ea"/>
+                <a:cs typeface="+mn-cs"/>
+              </a:defRPr>
+            </a:lvl9pPr>
+          </a:lstStyle>
+          <a:p>
+            <a:r>
+              <a:rPr lang="fr-FR" sz="5400" dirty="0">
+                <a:solidFill>
+                  <a:schemeClr val="bg1"/>
+                </a:solidFill>
+                <a:latin typeface="Zombie Queen 2" panose="02000000000000000000" pitchFamily="2" charset="0"/>
+              </a:rPr>
+              <a:t>Remi URO</a:t>
+            </a:r>
+          </a:p>
+          <a:p>
+            <a:r>
+              <a:rPr lang="fr-FR" sz="5400" dirty="0">
+                <a:solidFill>
+                  <a:schemeClr val="bg1"/>
+                </a:solidFill>
+                <a:latin typeface="Zombie Queen 2" panose="02000000000000000000" pitchFamily="2" charset="0"/>
+              </a:rPr>
+              <a:t>Nawhal SAYARH</a:t>
+            </a:r>
+          </a:p>
+        </p:txBody>
+      </p:sp>
     </p:spTree>
     <p:extLst>
       <p:ext uri="{BB962C8B-B14F-4D97-AF65-F5344CB8AC3E}">
@@ -4291,20 +4484,7 @@
                 <a:effectLst/>
                 <a:latin typeface="Monaco" panose="00000400000000000000" pitchFamily="2" charset="0"/>
               </a:rPr>
-              <a:t>"Vous cassez vos liens a mains nues. Vous avez les mains libres !</a:t>
-            </a:r>
-            <a:r>
-              <a:rPr kumimoji="0" lang="fr-FR" altLang="fr-FR" b="0" i="0" u="none" strike="noStrike" cap="none" normalizeH="0" baseline="0" dirty="0">
-                <a:ln>
-                  <a:noFill/>
-                </a:ln>
-                <a:solidFill>
-                  <a:srgbClr val="E6DB74"/>
-                </a:solidFill>
-                <a:effectLst/>
-                <a:latin typeface="Monaco" panose="00000400000000000000" pitchFamily="2" charset="0"/>
-              </a:rPr>
-              <a:t>"</a:t>
+              <a:t>"Vous cassez vos liens a mains nues. Vous avez les mains libres !"</a:t>
             </a:r>
             <a:r>
               <a:rPr kumimoji="0" lang="fr-FR" altLang="fr-FR" b="0" i="0" u="none" strike="noStrike" cap="none" normalizeH="0" baseline="0" dirty="0">
